--- a/Credit Default detector.pptx
+++ b/Credit Default detector.pptx
@@ -890,26 +890,38 @@
         <a:bodyPr/>
         <a:lstStyle/>
         <a:p>
+          <a:pPr algn="ctr"/>
+          <a:endParaRPr lang="en-US" sz="1200" b="1" dirty="0"/>
+        </a:p>
+        <a:p>
+          <a:pPr algn="ctr"/>
           <a:r>
-            <a:rPr lang="en-US" sz="1200" dirty="0"/>
+            <a:rPr lang="en-US" sz="1200" b="1" dirty="0"/>
             <a:t>Joel Choe</a:t>
           </a:r>
         </a:p>
         <a:p>
+          <a:pPr algn="ctr"/>
+          <a:endParaRPr lang="en-US" sz="1100" dirty="0"/>
+        </a:p>
+        <a:p>
+          <a:pPr algn="l"/>
           <a:r>
-            <a:rPr lang="en-US" sz="1200" dirty="0"/>
+            <a:rPr lang="en-US" sz="1100" dirty="0"/>
             <a:t>Associate on the OTC Derivatives team within Basel Measurement &amp; Analytics</a:t>
           </a:r>
         </a:p>
         <a:p>
+          <a:pPr algn="l"/>
           <a:r>
-            <a:rPr lang="en-US" sz="1200" dirty="0"/>
+            <a:rPr lang="en-US" sz="1100" dirty="0"/>
             <a:t>First got interested in data/analytics because of fantasy basketball</a:t>
           </a:r>
         </a:p>
         <a:p>
+          <a:pPr algn="l"/>
           <a:r>
-            <a:rPr lang="en-US" sz="1200" dirty="0"/>
+            <a:rPr lang="en-US" sz="1100" dirty="0"/>
             <a:t>Favorite Quote: "You come at the king, you best not miss." - Omar Little from "The Wire"</a:t>
           </a:r>
         </a:p>
@@ -944,15 +956,29 @@
         <a:bodyPr/>
         <a:lstStyle/>
         <a:p>
+          <a:pPr algn="ctr"/>
+          <a:endParaRPr lang="en-US" sz="1100" b="1" dirty="0"/>
+        </a:p>
+        <a:p>
+          <a:pPr algn="ctr"/>
+          <a:endParaRPr lang="en-US" sz="1100" b="1" dirty="0"/>
+        </a:p>
+        <a:p>
+          <a:pPr algn="ctr"/>
           <a:r>
-            <a:rPr lang="en-US" sz="1100" dirty="0"/>
+            <a:rPr lang="en-US" sz="1100" b="1" dirty="0"/>
             <a:t>Chintan Mehta</a:t>
           </a:r>
         </a:p>
         <a:p>
+          <a:pPr algn="ctr"/>
+          <a:endParaRPr lang="en-US" sz="1100" dirty="0"/>
+        </a:p>
+        <a:p>
+          <a:pPr algn="l"/>
           <a:r>
             <a:rPr lang="en-US" sz="1100" dirty="0"/>
-            <a:t>Chintan has been with JP Morgan Chase more than 8 years and currently working as Strategic Business Analyst with CCB Remediation and Corrections team who manages the process to triage, fix and eliminate customer impact caused by a business process or operation risk. I like to travel and explore new places, listening classical Indian music and Bollywood songs and watching movies.</a:t>
+            <a:t>Chintan has been with JP Morgan Chase more than 8 years and currently working as Strategic Business Analyst with CCB Remediation and Corrections team. I like to travel and explore new places, listening classical Indian music and Bollywood songs and watching movies.</a:t>
           </a:r>
         </a:p>
       </dgm:t>
@@ -986,16 +1012,7 @@
         <a:bodyPr/>
         <a:lstStyle/>
         <a:p>
-          <a:r>
-            <a:rPr lang="en-US" sz="1200" dirty="0"/>
-            <a:t>Amogh Gupte</a:t>
-          </a:r>
-        </a:p>
-        <a:p>
-          <a:r>
-            <a:rPr lang="en-US" sz="1200" dirty="0"/>
-            <a:t>Amogh has been with JP Morgan for the last 12 years as a Java developer in the corporate tech space. He loves hiking spending time with kids.</a:t>
-          </a:r>
+          <a:endParaRPr lang="en-US" sz="1200" dirty="0"/>
         </a:p>
       </dgm:t>
     </dgm:pt>
@@ -1027,23 +1044,6 @@
       <dgm:t>
         <a:bodyPr/>
         <a:lstStyle/>
-        <a:p>
-          <a:r>
-            <a:rPr lang="en-US" sz="1200" dirty="0"/>
-            <a:t>Amit </a:t>
-          </a:r>
-          <a:r>
-            <a:rPr lang="en-US" sz="1200" dirty="0" err="1"/>
-            <a:t>Rajwani</a:t>
-          </a:r>
-          <a:endParaRPr lang="en-US" sz="1200" dirty="0"/>
-        </a:p>
-        <a:p>
-          <a:r>
-            <a:rPr lang="en-US" sz="1200" dirty="0"/>
-            <a:t>Amit works in CCB Credit Card Technology for the C3 Authorizations Platform as an Agility Lead. He has been with the firm for close to 8 years in different roles like Application Owner, Software Engineer Manager and Lead Business Analyst. He likes to travel and be outdoors with nature.</a:t>
-          </a:r>
-        </a:p>
         <a:p>
           <a:endParaRPr lang="en-US" sz="1200" dirty="0"/>
         </a:p>
@@ -1169,27 +1169,13 @@
       <dgm:spPr/>
     </dgm:pt>
     <dgm:pt modelId="{3A91A0B6-2985-4A77-B8F4-76BC1F4BE424}" type="pres">
-      <dgm:prSet presAssocID="{09738C52-7579-4F90-B727-E125CD2CB6A1}" presName="Image" presStyleLbl="alignImgPlace1" presStyleIdx="1" presStyleCnt="4" custLinFactNeighborY="-61488">
+      <dgm:prSet presAssocID="{09738C52-7579-4F90-B727-E125CD2CB6A1}" presName="Image" presStyleLbl="alignImgPlace1" presStyleIdx="1" presStyleCnt="4" custLinFactX="100000" custLinFactNeighborX="179990" custLinFactNeighborY="-65309">
         <dgm:presLayoutVars>
           <dgm:chMax val="0"/>
           <dgm:chPref val="0"/>
         </dgm:presLayoutVars>
       </dgm:prSet>
-      <dgm:spPr>
-        <a:blipFill>
-          <a:blip xmlns:r="http://schemas.openxmlformats.org/officeDocument/2006/relationships" r:embed="rId2">
-            <a:extLst>
-              <a:ext uri="{28A0092B-C50C-407E-A947-70E740481C1C}">
-                <a14:useLocalDpi xmlns:a14="http://schemas.microsoft.com/office/drawing/2010/main" val="0"/>
-              </a:ext>
-            </a:extLst>
-          </a:blip>
-          <a:srcRect/>
-          <a:stretch>
-            <a:fillRect t="-23000" b="-23000"/>
-          </a:stretch>
-        </a:blipFill>
-      </dgm:spPr>
+      <dgm:spPr/>
     </dgm:pt>
     <dgm:pt modelId="{4E769AB5-F6CD-4820-B9EF-13F7021B36A0}" type="pres">
       <dgm:prSet presAssocID="{09738C52-7579-4F90-B727-E125CD2CB6A1}" presName="ChildComposite" presStyleCnt="0"/>
@@ -1238,7 +1224,7 @@
       <dgm:spPr/>
     </dgm:pt>
     <dgm:pt modelId="{58296C06-78CD-4FA9-8A05-946C12BB8F14}" type="pres">
-      <dgm:prSet presAssocID="{9C28268D-7924-4421-841C-B7C96851D5D4}" presName="Image" presStyleLbl="alignImgPlace1" presStyleIdx="2" presStyleCnt="4" custLinFactNeighborX="-1183" custLinFactNeighborY="-61369">
+      <dgm:prSet presAssocID="{9C28268D-7924-4421-841C-B7C96851D5D4}" presName="Image" presStyleLbl="alignImgPlace1" presStyleIdx="2" presStyleCnt="4" custLinFactNeighborX="-1183" custLinFactNeighborY="-48893">
         <dgm:presLayoutVars>
           <dgm:chMax val="0"/>
           <dgm:chPref val="0"/>
@@ -1246,7 +1232,7 @@
       </dgm:prSet>
       <dgm:spPr>
         <a:blipFill>
-          <a:blip xmlns:r="http://schemas.openxmlformats.org/officeDocument/2006/relationships" r:embed="rId3">
+          <a:blip xmlns:r="http://schemas.openxmlformats.org/officeDocument/2006/relationships" r:embed="rId2">
             <a:extLst>
               <a:ext uri="{28A0092B-C50C-407E-A947-70E740481C1C}">
                 <a14:useLocalDpi xmlns:a14="http://schemas.microsoft.com/office/drawing/2010/main" val="0"/>
@@ -1275,7 +1261,7 @@
       <dgm:spPr/>
     </dgm:pt>
     <dgm:pt modelId="{EDA8A7BB-423F-4A2C-ADAD-8D18D6A469A7}" type="pres">
-      <dgm:prSet presAssocID="{9C28268D-7924-4421-841C-B7C96851D5D4}" presName="Parent" presStyleLbl="revTx" presStyleIdx="2" presStyleCnt="4" custScaleY="578944" custLinFactNeighborX="38" custLinFactNeighborY="91733">
+      <dgm:prSet presAssocID="{9C28268D-7924-4421-841C-B7C96851D5D4}" presName="Parent" presStyleLbl="revTx" presStyleIdx="2" presStyleCnt="4" custScaleY="578944" custLinFactY="47128" custLinFactNeighborX="596" custLinFactNeighborY="100000">
         <dgm:presLayoutVars>
           <dgm:chMax val="1"/>
           <dgm:chPref val="0"/>
@@ -1298,7 +1284,7 @@
       <dgm:spPr/>
     </dgm:pt>
     <dgm:pt modelId="{CAD835EB-9538-4666-959F-384CCF08E0DA}" type="pres">
-      <dgm:prSet presAssocID="{BFB32893-2A84-469A-BD90-07EE114FD3D1}" presName="Accent" presStyleLbl="trAlignAcc1" presStyleIdx="3" presStyleCnt="4" custScaleY="186861">
+      <dgm:prSet presAssocID="{BFB32893-2A84-469A-BD90-07EE114FD3D1}" presName="Accent" presStyleLbl="trAlignAcc1" presStyleIdx="3" presStyleCnt="4" custScaleY="186861" custLinFactNeighborX="1683" custLinFactNeighborY="226">
         <dgm:presLayoutVars>
           <dgm:chMax val="0"/>
           <dgm:chPref val="0"/>
@@ -1307,7 +1293,7 @@
       <dgm:spPr/>
     </dgm:pt>
     <dgm:pt modelId="{5C4B73BF-4EB6-404B-B77E-EE2E96B96587}" type="pres">
-      <dgm:prSet presAssocID="{BFB32893-2A84-469A-BD90-07EE114FD3D1}" presName="Image" presStyleLbl="alignImgPlace1" presStyleIdx="3" presStyleCnt="4" custLinFactNeighborX="2130" custLinFactNeighborY="-74747">
+      <dgm:prSet presAssocID="{BFB32893-2A84-469A-BD90-07EE114FD3D1}" presName="Image" presStyleLbl="alignImgPlace1" presStyleIdx="3" presStyleCnt="4" custLinFactX="-100000" custLinFactNeighborX="-178508" custLinFactNeighborY="-62927">
         <dgm:presLayoutVars>
           <dgm:chMax val="0"/>
           <dgm:chPref val="0"/>
@@ -1315,7 +1301,7 @@
       </dgm:prSet>
       <dgm:spPr>
         <a:blipFill rotWithShape="1">
-          <a:blip xmlns:r="http://schemas.openxmlformats.org/officeDocument/2006/relationships" r:embed="rId4"/>
+          <a:blip xmlns:r="http://schemas.openxmlformats.org/officeDocument/2006/relationships" r:embed="rId3"/>
           <a:srcRect/>
           <a:stretch>
             <a:fillRect t="-13000" b="-13000"/>
@@ -1553,8 +1539,23 @@
             </a:spcAft>
             <a:buNone/>
           </a:pPr>
+          <a:endParaRPr lang="en-US" sz="1200" b="1" kern="1200" dirty="0"/>
+        </a:p>
+        <a:p>
+          <a:pPr marL="0" lvl="0" indent="0" algn="ctr" defTabSz="533400">
+            <a:lnSpc>
+              <a:spcPct val="90000"/>
+            </a:lnSpc>
+            <a:spcBef>
+              <a:spcPct val="0"/>
+            </a:spcBef>
+            <a:spcAft>
+              <a:spcPct val="35000"/>
+            </a:spcAft>
+            <a:buNone/>
+          </a:pPr>
           <a:r>
-            <a:rPr lang="en-US" sz="1200" kern="1200" dirty="0"/>
+            <a:rPr lang="en-US" sz="1200" b="1" kern="1200" dirty="0"/>
             <a:t>Joel Choe</a:t>
           </a:r>
         </a:p>
@@ -1571,13 +1572,10 @@
             </a:spcAft>
             <a:buNone/>
           </a:pPr>
-          <a:r>
-            <a:rPr lang="en-US" sz="1200" kern="1200" dirty="0"/>
-            <a:t>Associate on the OTC Derivatives team within Basel Measurement &amp; Analytics</a:t>
-          </a:r>
+          <a:endParaRPr lang="en-US" sz="1100" kern="1200" dirty="0"/>
         </a:p>
         <a:p>
-          <a:pPr marL="0" lvl="0" indent="0" algn="ctr" defTabSz="533400">
+          <a:pPr marL="0" lvl="0" indent="0" algn="l" defTabSz="533400">
             <a:lnSpc>
               <a:spcPct val="90000"/>
             </a:lnSpc>
@@ -1590,12 +1588,12 @@
             <a:buNone/>
           </a:pPr>
           <a:r>
-            <a:rPr lang="en-US" sz="1200" kern="1200" dirty="0"/>
-            <a:t>First got interested in data/analytics because of fantasy basketball</a:t>
+            <a:rPr lang="en-US" sz="1100" kern="1200" dirty="0"/>
+            <a:t>Associate on the OTC Derivatives team within Basel Measurement &amp; Analytics</a:t>
           </a:r>
         </a:p>
         <a:p>
-          <a:pPr marL="0" lvl="0" indent="0" algn="ctr" defTabSz="533400">
+          <a:pPr marL="0" lvl="0" indent="0" algn="l" defTabSz="533400">
             <a:lnSpc>
               <a:spcPct val="90000"/>
             </a:lnSpc>
@@ -1608,7 +1606,25 @@
             <a:buNone/>
           </a:pPr>
           <a:r>
-            <a:rPr lang="en-US" sz="1200" kern="1200" dirty="0"/>
+            <a:rPr lang="en-US" sz="1100" kern="1200" dirty="0"/>
+            <a:t>First got interested in data/analytics because of fantasy basketball</a:t>
+          </a:r>
+        </a:p>
+        <a:p>
+          <a:pPr marL="0" lvl="0" indent="0" algn="l" defTabSz="533400">
+            <a:lnSpc>
+              <a:spcPct val="90000"/>
+            </a:lnSpc>
+            <a:spcBef>
+              <a:spcPct val="0"/>
+            </a:spcBef>
+            <a:spcAft>
+              <a:spcPct val="35000"/>
+            </a:spcAft>
+            <a:buNone/>
+          </a:pPr>
+          <a:r>
+            <a:rPr lang="en-US" sz="1100" kern="1200" dirty="0"/>
             <a:t>Favorite Quote: "You come at the king, you best not miss." - Omar Little from "The Wire"</a:t>
           </a:r>
         </a:p>
@@ -1673,25 +1689,21 @@
       </dsp:nvSpPr>
       <dsp:spPr>
         <a:xfrm>
-          <a:off x="2932513" y="361381"/>
+          <a:off x="7762842" y="305372"/>
           <a:ext cx="1725179" cy="1465838"/>
         </a:xfrm>
         <a:prstGeom prst="rect">
           <a:avLst/>
         </a:prstGeom>
-        <a:blipFill>
-          <a:blip xmlns:r="http://schemas.openxmlformats.org/officeDocument/2006/relationships" r:embed="rId2">
-            <a:extLst>
-              <a:ext uri="{28A0092B-C50C-407E-A947-70E740481C1C}">
-                <a14:useLocalDpi xmlns:a14="http://schemas.microsoft.com/office/drawing/2010/main" val="0"/>
-              </a:ext>
-            </a:extLst>
-          </a:blip>
-          <a:srcRect/>
-          <a:stretch>
-            <a:fillRect t="-23000" b="-23000"/>
-          </a:stretch>
-        </a:blipFill>
+        <a:solidFill>
+          <a:schemeClr val="accent1">
+            <a:tint val="50000"/>
+            <a:hueOff val="0"/>
+            <a:satOff val="0"/>
+            <a:lumOff val="0"/>
+            <a:alphaOff val="0"/>
+          </a:schemeClr>
+        </a:solidFill>
         <a:ln w="19050" cap="rnd" cmpd="sng" algn="ctr">
           <a:solidFill>
             <a:schemeClr val="lt1">
@@ -1754,47 +1766,6 @@
           <a:noAutofit/>
         </a:bodyPr>
         <a:lstStyle/>
-        <a:p>
-          <a:pPr marL="0" lvl="0" indent="0" algn="ctr" defTabSz="533400">
-            <a:lnSpc>
-              <a:spcPct val="90000"/>
-            </a:lnSpc>
-            <a:spcBef>
-              <a:spcPct val="0"/>
-            </a:spcBef>
-            <a:spcAft>
-              <a:spcPct val="35000"/>
-            </a:spcAft>
-            <a:buNone/>
-          </a:pPr>
-          <a:r>
-            <a:rPr lang="en-US" sz="1200" kern="1200" dirty="0"/>
-            <a:t>Amit </a:t>
-          </a:r>
-          <a:r>
-            <a:rPr lang="en-US" sz="1200" kern="1200" dirty="0" err="1"/>
-            <a:t>Rajwani</a:t>
-          </a:r>
-          <a:endParaRPr lang="en-US" sz="1200" kern="1200" dirty="0"/>
-        </a:p>
-        <a:p>
-          <a:pPr marL="0" lvl="0" indent="0" algn="ctr" defTabSz="533400">
-            <a:lnSpc>
-              <a:spcPct val="90000"/>
-            </a:lnSpc>
-            <a:spcBef>
-              <a:spcPct val="0"/>
-            </a:spcBef>
-            <a:spcAft>
-              <a:spcPct val="35000"/>
-            </a:spcAft>
-            <a:buNone/>
-          </a:pPr>
-          <a:r>
-            <a:rPr lang="en-US" sz="1200" kern="1200" dirty="0"/>
-            <a:t>Amit works in CCB Credit Card Technology for the C3 Authorizations Platform as an Agility Lead. He has been with the firm for close to 8 years in different roles like Application Owner, Software Engineer Manager and Lead Business Analyst. He likes to travel and be outdoors with nature.</a:t>
-          </a:r>
-        </a:p>
         <a:p>
           <a:pPr marL="0" lvl="0" indent="0" algn="ctr" defTabSz="533400">
             <a:lnSpc>
@@ -1871,14 +1842,14 @@
       </dsp:nvSpPr>
       <dsp:spPr>
         <a:xfrm>
-          <a:off x="5319066" y="167014"/>
+          <a:off x="5319066" y="349892"/>
           <a:ext cx="1725179" cy="1465838"/>
         </a:xfrm>
         <a:prstGeom prst="rect">
           <a:avLst/>
         </a:prstGeom>
         <a:blipFill>
-          <a:blip xmlns:r="http://schemas.openxmlformats.org/officeDocument/2006/relationships" r:embed="rId3">
+          <a:blip xmlns:r="http://schemas.openxmlformats.org/officeDocument/2006/relationships" r:embed="rId2">
             <a:extLst>
               <a:ext uri="{28A0092B-C50C-407E-A947-70E740481C1C}">
                 <a14:useLocalDpi xmlns:a14="http://schemas.microsoft.com/office/drawing/2010/main" val="0"/>
@@ -1923,7 +1894,7 @@
       </dsp:nvSpPr>
       <dsp:spPr>
         <a:xfrm>
-          <a:off x="5340130" y="1075004"/>
+          <a:off x="5349757" y="1075004"/>
           <a:ext cx="1725179" cy="3525113"/>
         </a:xfrm>
         <a:prstGeom prst="rect">
@@ -1965,8 +1936,38 @@
             </a:spcAft>
             <a:buNone/>
           </a:pPr>
+          <a:endParaRPr lang="en-US" sz="1100" b="1" kern="1200" dirty="0"/>
+        </a:p>
+        <a:p>
+          <a:pPr marL="0" lvl="0" indent="0" algn="ctr" defTabSz="488950">
+            <a:lnSpc>
+              <a:spcPct val="90000"/>
+            </a:lnSpc>
+            <a:spcBef>
+              <a:spcPct val="0"/>
+            </a:spcBef>
+            <a:spcAft>
+              <a:spcPct val="35000"/>
+            </a:spcAft>
+            <a:buNone/>
+          </a:pPr>
+          <a:endParaRPr lang="en-US" sz="1100" b="1" kern="1200" dirty="0"/>
+        </a:p>
+        <a:p>
+          <a:pPr marL="0" lvl="0" indent="0" algn="ctr" defTabSz="488950">
+            <a:lnSpc>
+              <a:spcPct val="90000"/>
+            </a:lnSpc>
+            <a:spcBef>
+              <a:spcPct val="0"/>
+            </a:spcBef>
+            <a:spcAft>
+              <a:spcPct val="35000"/>
+            </a:spcAft>
+            <a:buNone/>
+          </a:pPr>
           <a:r>
-            <a:rPr lang="en-US" sz="1100" kern="1200" dirty="0"/>
+            <a:rPr lang="en-US" sz="1100" b="1" kern="1200" dirty="0"/>
             <a:t>Chintan Mehta</a:t>
           </a:r>
         </a:p>
@@ -1983,14 +1984,29 @@
             </a:spcAft>
             <a:buNone/>
           </a:pPr>
+          <a:endParaRPr lang="en-US" sz="1100" kern="1200" dirty="0"/>
+        </a:p>
+        <a:p>
+          <a:pPr marL="0" lvl="0" indent="0" algn="l" defTabSz="488950">
+            <a:lnSpc>
+              <a:spcPct val="90000"/>
+            </a:lnSpc>
+            <a:spcBef>
+              <a:spcPct val="0"/>
+            </a:spcBef>
+            <a:spcAft>
+              <a:spcPct val="35000"/>
+            </a:spcAft>
+            <a:buNone/>
+          </a:pPr>
           <a:r>
             <a:rPr lang="en-US" sz="1100" kern="1200" dirty="0"/>
-            <a:t>Chintan has been with JP Morgan Chase more than 8 years and currently working as Strategic Business Analyst with CCB Remediation and Corrections team who manages the process to triage, fix and eliminate customer impact caused by a business process or operation risk. I like to travel and explore new places, listening classical Indian music and Bollywood songs and watching movies.</a:t>
+            <a:t>Chintan has been with JP Morgan Chase more than 8 years and currently working as Strategic Business Analyst with CCB Remediation and Corrections team. I like to travel and explore new places, listening classical Indian music and Bollywood songs and watching movies.</a:t>
           </a:r>
         </a:p>
       </dsp:txBody>
       <dsp:txXfrm>
-        <a:off x="5340130" y="1075004"/>
+        <a:off x="5349757" y="1075004"/>
         <a:ext cx="1725179" cy="3525113"/>
       </dsp:txXfrm>
     </dsp:sp>
@@ -2001,7 +2017,7 @@
       </dsp:nvSpPr>
       <dsp:spPr>
         <a:xfrm>
-          <a:off x="7650592" y="193074"/>
+          <a:off x="7682853" y="198170"/>
           <a:ext cx="1916865" cy="4213969"/>
         </a:xfrm>
         <a:prstGeom prst="rect">
@@ -2049,14 +2065,14 @@
       </dsp:nvSpPr>
       <dsp:spPr>
         <a:xfrm>
-          <a:off x="7783182" y="167026"/>
+          <a:off x="2941674" y="340288"/>
           <a:ext cx="1725179" cy="1465838"/>
         </a:xfrm>
         <a:prstGeom prst="rect">
           <a:avLst/>
         </a:prstGeom>
         <a:blipFill rotWithShape="1">
-          <a:blip xmlns:r="http://schemas.openxmlformats.org/officeDocument/2006/relationships" r:embed="rId4"/>
+          <a:blip xmlns:r="http://schemas.openxmlformats.org/officeDocument/2006/relationships" r:embed="rId3"/>
           <a:srcRect/>
           <a:stretch>
             <a:fillRect t="-13000" b="-13000"/>
@@ -2137,28 +2153,7 @@
             </a:spcAft>
             <a:buNone/>
           </a:pPr>
-          <a:r>
-            <a:rPr lang="en-US" sz="1200" kern="1200" dirty="0"/>
-            <a:t>Amogh Gupte</a:t>
-          </a:r>
-        </a:p>
-        <a:p>
-          <a:pPr marL="0" lvl="0" indent="0" algn="ctr" defTabSz="533400">
-            <a:lnSpc>
-              <a:spcPct val="90000"/>
-            </a:lnSpc>
-            <a:spcBef>
-              <a:spcPct val="0"/>
-            </a:spcBef>
-            <a:spcAft>
-              <a:spcPct val="35000"/>
-            </a:spcAft>
-            <a:buNone/>
-          </a:pPr>
-          <a:r>
-            <a:rPr lang="en-US" sz="1200" kern="1200" dirty="0"/>
-            <a:t>Amogh has been with JP Morgan for the last 12 years as a Java developer in the corporate tech space. He loves hiking spending time with kids.</a:t>
-          </a:r>
+          <a:endParaRPr lang="en-US" sz="1200" kern="1200" dirty="0"/>
         </a:p>
       </dsp:txBody>
       <dsp:txXfrm>
@@ -3604,7 +3599,7 @@
           <a:p>
             <a:fld id="{03B69569-668C-438B-8D5E-9E0B2CBA871B}" type="datetimeFigureOut">
               <a:rPr lang="en-US" smtClean="0"/>
-              <a:t>7/11/2021</a:t>
+              <a:t>7/15/2021</a:t>
             </a:fld>
             <a:endParaRPr lang="en-US"/>
           </a:p>
@@ -4697,7 +4692,7 @@
           <a:p>
             <a:fld id="{C2B75150-69D3-484D-A7DF-580D3120A440}" type="datetimeFigureOut">
               <a:rPr lang="en-US" smtClean="0"/>
-              <a:t>7/11/2021</a:t>
+              <a:t>7/15/2021</a:t>
             </a:fld>
             <a:endParaRPr lang="en-US"/>
           </a:p>
@@ -4948,7 +4943,7 @@
           <a:p>
             <a:fld id="{C2B75150-69D3-484D-A7DF-580D3120A440}" type="datetimeFigureOut">
               <a:rPr lang="en-US" smtClean="0"/>
-              <a:t>7/11/2021</a:t>
+              <a:t>7/15/2021</a:t>
             </a:fld>
             <a:endParaRPr lang="en-US"/>
           </a:p>
@@ -5262,7 +5257,7 @@
           <a:p>
             <a:fld id="{C2B75150-69D3-484D-A7DF-580D3120A440}" type="datetimeFigureOut">
               <a:rPr lang="en-US" smtClean="0"/>
-              <a:t>7/11/2021</a:t>
+              <a:t>7/15/2021</a:t>
             </a:fld>
             <a:endParaRPr lang="en-US"/>
           </a:p>
@@ -5603,7 +5598,7 @@
           <a:p>
             <a:fld id="{C2B75150-69D3-484D-A7DF-580D3120A440}" type="datetimeFigureOut">
               <a:rPr lang="en-US" smtClean="0"/>
-              <a:t>7/11/2021</a:t>
+              <a:t>7/15/2021</a:t>
             </a:fld>
             <a:endParaRPr lang="en-US"/>
           </a:p>
@@ -5917,7 +5912,7 @@
           <a:p>
             <a:fld id="{C2B75150-69D3-484D-A7DF-580D3120A440}" type="datetimeFigureOut">
               <a:rPr lang="en-US" smtClean="0"/>
-              <a:t>7/11/2021</a:t>
+              <a:t>7/15/2021</a:t>
             </a:fld>
             <a:endParaRPr lang="en-US"/>
           </a:p>
@@ -6310,7 +6305,7 @@
           <a:p>
             <a:fld id="{C2B75150-69D3-484D-A7DF-580D3120A440}" type="datetimeFigureOut">
               <a:rPr lang="en-US" smtClean="0"/>
-              <a:t>7/11/2021</a:t>
+              <a:t>7/15/2021</a:t>
             </a:fld>
             <a:endParaRPr lang="en-US"/>
           </a:p>
@@ -6480,7 +6475,7 @@
           <a:p>
             <a:fld id="{C2B75150-69D3-484D-A7DF-580D3120A440}" type="datetimeFigureOut">
               <a:rPr lang="en-US" smtClean="0"/>
-              <a:t>7/11/2021</a:t>
+              <a:t>7/15/2021</a:t>
             </a:fld>
             <a:endParaRPr lang="en-US"/>
           </a:p>
@@ -6660,7 +6655,7 @@
           <a:p>
             <a:fld id="{C2B75150-69D3-484D-A7DF-580D3120A440}" type="datetimeFigureOut">
               <a:rPr lang="en-US" smtClean="0"/>
-              <a:t>7/11/2021</a:t>
+              <a:t>7/15/2021</a:t>
             </a:fld>
             <a:endParaRPr lang="en-US"/>
           </a:p>
@@ -7112,7 +7107,7 @@
           <a:p>
             <a:fld id="{C2B75150-69D3-484D-A7DF-580D3120A440}" type="datetimeFigureOut">
               <a:rPr lang="en-US" smtClean="0"/>
-              <a:t>7/11/2021</a:t>
+              <a:t>7/15/2021</a:t>
             </a:fld>
             <a:endParaRPr lang="en-US"/>
           </a:p>
@@ -7359,7 +7354,7 @@
           <a:p>
             <a:fld id="{C2B75150-69D3-484D-A7DF-580D3120A440}" type="datetimeFigureOut">
               <a:rPr lang="en-US" smtClean="0"/>
-              <a:t>7/11/2021</a:t>
+              <a:t>7/15/2021</a:t>
             </a:fld>
             <a:endParaRPr lang="en-US"/>
           </a:p>
@@ -7591,7 +7586,7 @@
           <a:p>
             <a:fld id="{C2B75150-69D3-484D-A7DF-580D3120A440}" type="datetimeFigureOut">
               <a:rPr lang="en-US" smtClean="0"/>
-              <a:t>7/11/2021</a:t>
+              <a:t>7/15/2021</a:t>
             </a:fld>
             <a:endParaRPr lang="en-US"/>
           </a:p>
@@ -7965,7 +7960,7 @@
           <a:p>
             <a:fld id="{C2B75150-69D3-484D-A7DF-580D3120A440}" type="datetimeFigureOut">
               <a:rPr lang="en-US" smtClean="0"/>
-              <a:t>7/11/2021</a:t>
+              <a:t>7/15/2021</a:t>
             </a:fld>
             <a:endParaRPr lang="en-US"/>
           </a:p>
@@ -8088,7 +8083,7 @@
           <a:p>
             <a:fld id="{C2B75150-69D3-484D-A7DF-580D3120A440}" type="datetimeFigureOut">
               <a:rPr lang="en-US" smtClean="0"/>
-              <a:t>7/11/2021</a:t>
+              <a:t>7/15/2021</a:t>
             </a:fld>
             <a:endParaRPr lang="en-US"/>
           </a:p>
@@ -8183,7 +8178,7 @@
           <a:p>
             <a:fld id="{C2B75150-69D3-484D-A7DF-580D3120A440}" type="datetimeFigureOut">
               <a:rPr lang="en-US" smtClean="0"/>
-              <a:t>7/11/2021</a:t>
+              <a:t>7/15/2021</a:t>
             </a:fld>
             <a:endParaRPr lang="en-US"/>
           </a:p>
@@ -8438,7 +8433,7 @@
           <a:p>
             <a:fld id="{C2B75150-69D3-484D-A7DF-580D3120A440}" type="datetimeFigureOut">
               <a:rPr lang="en-US" smtClean="0"/>
-              <a:t>7/11/2021</a:t>
+              <a:t>7/15/2021</a:t>
             </a:fld>
             <a:endParaRPr lang="en-US"/>
           </a:p>
@@ -8701,7 +8696,7 @@
           <a:p>
             <a:fld id="{C2B75150-69D3-484D-A7DF-580D3120A440}" type="datetimeFigureOut">
               <a:rPr lang="en-US" smtClean="0"/>
-              <a:t>7/11/2021</a:t>
+              <a:t>7/15/2021</a:t>
             </a:fld>
             <a:endParaRPr lang="en-US"/>
           </a:p>
@@ -9444,7 +9439,7 @@
           <a:p>
             <a:fld id="{C2B75150-69D3-484D-A7DF-580D3120A440}" type="datetimeFigureOut">
               <a:rPr lang="en-US" smtClean="0"/>
-              <a:t>7/11/2021</a:t>
+              <a:t>7/15/2021</a:t>
             </a:fld>
             <a:endParaRPr lang="en-US"/>
           </a:p>
@@ -9992,7 +9987,7 @@
           <a:p>
             <a:r>
               <a:rPr lang="en-US" dirty="0"/>
-              <a:t>Credit Default detector</a:t>
+              <a:t>Credit Default Detector</a:t>
             </a:r>
           </a:p>
         </p:txBody>
@@ -10013,56 +10008,51 @@
             <p:ph type="subTitle" idx="1"/>
           </p:nvPr>
         </p:nvSpPr>
-        <p:spPr/>
+        <p:spPr>
+          <a:xfrm>
+            <a:off x="1909403" y="4197137"/>
+            <a:ext cx="7766936" cy="1096899"/>
+          </a:xfrm>
+        </p:spPr>
         <p:txBody>
           <a:bodyPr>
             <a:normAutofit fontScale="62500" lnSpcReduction="20000"/>
           </a:bodyPr>
           <a:lstStyle/>
           <a:p>
+            <a:pPr algn="l"/>
+            <a:r>
+              <a:rPr lang="en-US" dirty="0"/>
+              <a:t>Joel Choe</a:t>
+            </a:r>
+          </a:p>
+          <a:p>
+            <a:pPr algn="l"/>
+            <a:r>
+              <a:rPr lang="en-US" dirty="0"/>
+              <a:t>Amogh Gupte</a:t>
+            </a:r>
+          </a:p>
+          <a:p>
+            <a:pPr algn="l"/>
+            <a:r>
+              <a:rPr lang="en-US" dirty="0"/>
+              <a:t>Chintan Mehta</a:t>
+            </a:r>
+          </a:p>
+          <a:p>
+            <a:pPr algn="l"/>
+            <a:r>
+              <a:rPr lang="en-US" dirty="0"/>
+              <a:t>Amit Rajwani</a:t>
+            </a:r>
+          </a:p>
+          <a:p>
             <a:pPr marL="342900" indent="-342900" algn="l">
               <a:buFont typeface="Arial" panose="020B0604020202020204" pitchFamily="34" charset="0"/>
               <a:buChar char="•"/>
             </a:pPr>
-            <a:r>
-              <a:rPr lang="en-US" dirty="0"/>
-              <a:t>Amit </a:t>
-            </a:r>
-            <a:r>
-              <a:rPr lang="en-US" dirty="0" err="1"/>
-              <a:t>Rajwani</a:t>
-            </a:r>
             <a:endParaRPr lang="en-US" dirty="0"/>
-          </a:p>
-          <a:p>
-            <a:pPr marL="342900" indent="-342900" algn="l">
-              <a:buFont typeface="Arial" panose="020B0604020202020204" pitchFamily="34" charset="0"/>
-              <a:buChar char="•"/>
-            </a:pPr>
-            <a:r>
-              <a:rPr lang="en-US" dirty="0"/>
-              <a:t>Joel Choe</a:t>
-            </a:r>
-          </a:p>
-          <a:p>
-            <a:pPr marL="342900" indent="-342900" algn="l">
-              <a:buFont typeface="Arial" panose="020B0604020202020204" pitchFamily="34" charset="0"/>
-              <a:buChar char="•"/>
-            </a:pPr>
-            <a:r>
-              <a:rPr lang="en-US" dirty="0"/>
-              <a:t>Chintan Mehta</a:t>
-            </a:r>
-          </a:p>
-          <a:p>
-            <a:pPr marL="342900" indent="-342900" algn="l">
-              <a:buFont typeface="Arial" panose="020B0604020202020204" pitchFamily="34" charset="0"/>
-              <a:buChar char="•"/>
-            </a:pPr>
-            <a:r>
-              <a:rPr lang="en-US" dirty="0"/>
-              <a:t>Amogh Gupte</a:t>
-            </a:r>
           </a:p>
         </p:txBody>
       </p:sp>
@@ -10115,15 +10105,17 @@
         <p:spPr>
           <a:xfrm>
             <a:off x="603855" y="461739"/>
-            <a:ext cx="3854528" cy="1278466"/>
+            <a:ext cx="3854528" cy="568164"/>
           </a:xfrm>
         </p:spPr>
         <p:txBody>
-          <a:bodyPr/>
+          <a:bodyPr>
+            <a:normAutofit/>
+          </a:bodyPr>
           <a:lstStyle/>
           <a:p>
             <a:r>
-              <a:rPr lang="en-US" dirty="0"/>
+              <a:rPr lang="en-US" sz="2800" dirty="0"/>
               <a:t>The Team</a:t>
             </a:r>
           </a:p>
@@ -10142,13 +10134,13 @@
           <p:nvPr>
             <p:extLst>
               <p:ext uri="{D42A27DB-BD31-4B8C-83A1-F6EECF244321}">
-                <p14:modId xmlns:p14="http://schemas.microsoft.com/office/powerpoint/2010/main" val="2460686401"/>
+                <p14:modId xmlns:p14="http://schemas.microsoft.com/office/powerpoint/2010/main" val="2306079074"/>
               </p:ext>
             </p:extLst>
           </p:nvPr>
         </p:nvGraphicFramePr>
         <p:xfrm>
-          <a:off x="571500" y="1796143"/>
+          <a:off x="7089" y="1796143"/>
           <a:ext cx="9997168" cy="4600118"/>
         </p:xfrm>
         <a:graphic>
@@ -10157,6 +10149,139 @@
           </a:graphicData>
         </a:graphic>
       </p:graphicFrame>
+      <p:sp>
+        <p:nvSpPr>
+          <p:cNvPr id="3" name="TextBox 2">
+            <a:extLst>
+              <a:ext uri="{FF2B5EF4-FFF2-40B4-BE49-F238E27FC236}">
+                <a16:creationId xmlns:a16="http://schemas.microsoft.com/office/drawing/2014/main" id="{4E53914E-8996-4AE7-9211-989A9328BADE}"/>
+              </a:ext>
+            </a:extLst>
+          </p:cNvPr>
+          <p:cNvSpPr txBox="1"/>
+          <p:nvPr/>
+        </p:nvSpPr>
+        <p:spPr>
+          <a:xfrm>
+            <a:off x="3062720" y="3628725"/>
+            <a:ext cx="1617044" cy="2062103"/>
+          </a:xfrm>
+          <a:prstGeom prst="rect">
+            <a:avLst/>
+          </a:prstGeom>
+          <a:noFill/>
+        </p:spPr>
+        <p:txBody>
+          <a:bodyPr wrap="square" rtlCol="0">
+            <a:spAutoFit/>
+          </a:bodyPr>
+          <a:lstStyle/>
+          <a:p>
+            <a:pPr lvl="0"/>
+            <a:r>
+              <a:rPr lang="en-US" sz="1100" b="1" dirty="0"/>
+              <a:t>   Amogh Gupte</a:t>
+            </a:r>
+          </a:p>
+          <a:p>
+            <a:pPr lvl="0"/>
+            <a:endParaRPr lang="en-US" sz="1100" dirty="0"/>
+          </a:p>
+          <a:p>
+            <a:pPr lvl="0"/>
+            <a:r>
+              <a:rPr lang="en-US" sz="1100" dirty="0"/>
+              <a:t>Amogh has been with JP Morgan for the last 12 years as a Java developer in the corporate tech space. He loves hiking spending time with kids.</a:t>
+            </a:r>
+          </a:p>
+          <a:p>
+            <a:endParaRPr lang="en-US" dirty="0"/>
+          </a:p>
+        </p:txBody>
+      </p:sp>
+      <p:sp>
+        <p:nvSpPr>
+          <p:cNvPr id="4" name="TextBox 3">
+            <a:extLst>
+              <a:ext uri="{FF2B5EF4-FFF2-40B4-BE49-F238E27FC236}">
+                <a16:creationId xmlns:a16="http://schemas.microsoft.com/office/drawing/2014/main" id="{B56EF88B-8E92-4317-9129-AAC7443705CD}"/>
+              </a:ext>
+            </a:extLst>
+          </p:cNvPr>
+          <p:cNvSpPr txBox="1"/>
+          <p:nvPr/>
+        </p:nvSpPr>
+        <p:spPr>
+          <a:xfrm>
+            <a:off x="7892796" y="3689025"/>
+            <a:ext cx="1511166" cy="2569934"/>
+          </a:xfrm>
+          <a:prstGeom prst="rect">
+            <a:avLst/>
+          </a:prstGeom>
+          <a:noFill/>
+        </p:spPr>
+        <p:txBody>
+          <a:bodyPr wrap="square" rtlCol="0">
+            <a:spAutoFit/>
+          </a:bodyPr>
+          <a:lstStyle/>
+          <a:p>
+            <a:r>
+              <a:rPr lang="en-US" sz="1100" b="1" dirty="0"/>
+              <a:t>     Amit Rajwani</a:t>
+            </a:r>
+          </a:p>
+          <a:p>
+            <a:endParaRPr lang="en-US" sz="1100" dirty="0"/>
+          </a:p>
+          <a:p>
+            <a:r>
+              <a:rPr lang="en-US" sz="1100" dirty="0"/>
+              <a:t>Amit works in CCB Credit Card Technology for the C3 Authorizations Platform as an Agility Lead. He has been with the firm for 8 years and likes to travel and be outdoors with nature.</a:t>
+            </a:r>
+          </a:p>
+          <a:p>
+            <a:endParaRPr lang="en-US" dirty="0"/>
+          </a:p>
+        </p:txBody>
+      </p:sp>
+      <p:pic>
+        <p:nvPicPr>
+          <p:cNvPr id="7" name="Picture 6">
+            <a:extLst>
+              <a:ext uri="{FF2B5EF4-FFF2-40B4-BE49-F238E27FC236}">
+                <a16:creationId xmlns:a16="http://schemas.microsoft.com/office/drawing/2014/main" id="{D5F349B5-6D61-4D34-A80B-1792A6BB7B4F}"/>
+              </a:ext>
+            </a:extLst>
+          </p:cNvPr>
+          <p:cNvPicPr>
+            <a:picLocks noChangeAspect="1"/>
+          </p:cNvPicPr>
+          <p:nvPr/>
+        </p:nvPicPr>
+        <p:blipFill>
+          <a:blip r:embed="rId7">
+            <a:extLst>
+              <a:ext uri="{28A0092B-C50C-407E-A947-70E740481C1C}">
+                <a14:useLocalDpi xmlns:a14="http://schemas.microsoft.com/office/drawing/2010/main" val="0"/>
+              </a:ext>
+            </a:extLst>
+          </a:blip>
+          <a:stretch>
+            <a:fillRect/>
+          </a:stretch>
+        </p:blipFill>
+        <p:spPr>
+          <a:xfrm>
+            <a:off x="7786999" y="2082266"/>
+            <a:ext cx="1722760" cy="1469457"/>
+          </a:xfrm>
+          <a:prstGeom prst="rect">
+            <a:avLst/>
+          </a:prstGeom>
+        </p:spPr>
+      </p:pic>
     </p:spTree>
     <p:extLst>
       <p:ext uri="{BB962C8B-B14F-4D97-AF65-F5344CB8AC3E}">
@@ -10195,7 +10320,7 @@
         </p:nvGrpSpPr>
         <p:grpSpPr>
           <a:xfrm>
-            <a:off x="3902453" y="1409533"/>
+            <a:off x="2747983" y="1642215"/>
             <a:ext cx="2125267" cy="1838886"/>
             <a:chOff x="-1" y="-1"/>
             <a:chExt cx="3022601" cy="2615303"/>
@@ -10234,7 +10359,7 @@
                 </a:buClr>
                 <a:buSzPts val="2200"/>
               </a:pPr>
-              <a:endParaRPr sz="1547">
+              <a:endParaRPr sz="1547" dirty="0">
                 <a:solidFill>
                   <a:srgbClr val="FFFFFF"/>
                 </a:solidFill>
@@ -10279,7 +10404,7 @@
                 </a:buClr>
                 <a:buSzPts val="2200"/>
               </a:pPr>
-              <a:endParaRPr sz="1547">
+              <a:endParaRPr sz="1547" dirty="0">
                 <a:solidFill>
                   <a:srgbClr val="FFFFFF"/>
                 </a:solidFill>
@@ -10323,7 +10448,7 @@
                 <a:buSzPts val="2400"/>
               </a:pPr>
               <a:r>
-                <a:rPr lang="en-US" sz="1687" b="1">
+                <a:rPr lang="en-US" sz="1687" b="1" dirty="0">
                   <a:solidFill>
                     <a:srgbClr val="FFFFFF"/>
                   </a:solidFill>
@@ -10334,7 +10459,7 @@
                 </a:rPr>
                 <a:t>Judgment</a:t>
               </a:r>
-              <a:endParaRPr sz="1266"/>
+              <a:endParaRPr sz="1266" dirty="0"/>
             </a:p>
           </p:txBody>
         </p:sp>
@@ -10347,7 +10472,7 @@
         </p:nvSpPr>
         <p:spPr>
           <a:xfrm>
-            <a:off x="3923070" y="1779008"/>
+            <a:off x="2768600" y="2011690"/>
             <a:ext cx="2029504" cy="1001185"/>
           </a:xfrm>
           <a:prstGeom prst="rect">
@@ -10409,7 +10534,7 @@
         </p:nvGrpSpPr>
         <p:grpSpPr>
           <a:xfrm>
-            <a:off x="1702872" y="1409533"/>
+            <a:off x="548402" y="1642215"/>
             <a:ext cx="2125267" cy="1838886"/>
             <a:chOff x="-1" y="-1"/>
             <a:chExt cx="3022601" cy="2615303"/>
@@ -10448,7 +10573,7 @@
                 </a:buClr>
                 <a:buSzPts val="2200"/>
               </a:pPr>
-              <a:endParaRPr sz="1547">
+              <a:endParaRPr sz="1547" dirty="0">
                 <a:solidFill>
                   <a:srgbClr val="FFFFFF"/>
                 </a:solidFill>
@@ -10493,7 +10618,7 @@
                 </a:buClr>
                 <a:buSzPts val="2200"/>
               </a:pPr>
-              <a:endParaRPr sz="1547">
+              <a:endParaRPr sz="1547" dirty="0">
                 <a:solidFill>
                   <a:srgbClr val="FFFFFF"/>
                 </a:solidFill>
@@ -10537,7 +10662,7 @@
                 <a:buSzPts val="2400"/>
               </a:pPr>
               <a:r>
-                <a:rPr lang="en-US" sz="1687" b="1">
+                <a:rPr lang="en-US" sz="1687" b="1" dirty="0">
                   <a:solidFill>
                     <a:srgbClr val="FFFFFF"/>
                   </a:solidFill>
@@ -10548,7 +10673,7 @@
                 </a:rPr>
                 <a:t>Prediction</a:t>
               </a:r>
-              <a:endParaRPr sz="1266"/>
+              <a:endParaRPr sz="1266" dirty="0"/>
             </a:p>
           </p:txBody>
         </p:sp>
@@ -10561,7 +10686,7 @@
         </p:nvSpPr>
         <p:spPr>
           <a:xfrm>
-            <a:off x="1702873" y="1779008"/>
+            <a:off x="548403" y="2011690"/>
             <a:ext cx="2029505" cy="1001185"/>
           </a:xfrm>
           <a:prstGeom prst="rect">
@@ -10615,7 +10740,7 @@
         </p:blipFill>
         <p:spPr>
           <a:xfrm>
-            <a:off x="1717436" y="1436709"/>
+            <a:off x="562966" y="1669391"/>
             <a:ext cx="253688" cy="253688"/>
           </a:xfrm>
           <a:prstGeom prst="rect">
@@ -10635,7 +10760,7 @@
         </p:nvGrpSpPr>
         <p:grpSpPr>
           <a:xfrm>
-            <a:off x="8295563" y="1409533"/>
+            <a:off x="7141093" y="1642215"/>
             <a:ext cx="2125267" cy="1838886"/>
             <a:chOff x="-1" y="-1"/>
             <a:chExt cx="3022601" cy="2615303"/>
@@ -10674,7 +10799,7 @@
                 </a:buClr>
                 <a:buSzPts val="2200"/>
               </a:pPr>
-              <a:endParaRPr sz="1547">
+              <a:endParaRPr sz="1547" dirty="0">
                 <a:solidFill>
                   <a:srgbClr val="FFFFFF"/>
                 </a:solidFill>
@@ -10719,7 +10844,7 @@
                 </a:buClr>
                 <a:buSzPts val="2200"/>
               </a:pPr>
-              <a:endParaRPr sz="1547">
+              <a:endParaRPr sz="1547" dirty="0">
                 <a:solidFill>
                   <a:srgbClr val="FFFFFF"/>
                 </a:solidFill>
@@ -10763,7 +10888,7 @@
                 <a:buSzPts val="2400"/>
               </a:pPr>
               <a:r>
-                <a:rPr lang="en-US" sz="1687" b="1">
+                <a:rPr lang="en-US" sz="1687" b="1" dirty="0">
                   <a:solidFill>
                     <a:srgbClr val="FFFFFF"/>
                   </a:solidFill>
@@ -10774,7 +10899,7 @@
                 </a:rPr>
                 <a:t>Outcome</a:t>
               </a:r>
-              <a:endParaRPr sz="1266"/>
+              <a:endParaRPr sz="1266" dirty="0"/>
             </a:p>
           </p:txBody>
         </p:sp>
@@ -10787,7 +10912,7 @@
         </p:nvSpPr>
         <p:spPr>
           <a:xfrm>
-            <a:off x="8343445" y="1779007"/>
+            <a:off x="7188975" y="2011689"/>
             <a:ext cx="2029505" cy="1146585"/>
           </a:xfrm>
           <a:prstGeom prst="rect">
@@ -10849,7 +10974,7 @@
         </p:nvGrpSpPr>
         <p:grpSpPr>
           <a:xfrm>
-            <a:off x="6102034" y="1409533"/>
+            <a:off x="4947564" y="1642215"/>
             <a:ext cx="2125267" cy="1838886"/>
             <a:chOff x="-1" y="0"/>
             <a:chExt cx="3022601" cy="2615302"/>
@@ -10933,7 +11058,7 @@
                 </a:buClr>
                 <a:buSzPts val="2200"/>
               </a:pPr>
-              <a:endParaRPr sz="1547">
+              <a:endParaRPr sz="1547" dirty="0">
                 <a:solidFill>
                   <a:srgbClr val="FFFFFF"/>
                 </a:solidFill>
@@ -10977,7 +11102,7 @@
                 <a:buSzPts val="2400"/>
               </a:pPr>
               <a:r>
-                <a:rPr lang="en-US" sz="1687" b="1">
+                <a:rPr lang="en-US" sz="1687" b="1" dirty="0">
                   <a:solidFill>
                     <a:srgbClr val="FFFFFF"/>
                   </a:solidFill>
@@ -10988,7 +11113,7 @@
                 </a:rPr>
                 <a:t>Action</a:t>
               </a:r>
-              <a:endParaRPr sz="1266"/>
+              <a:endParaRPr sz="1266" dirty="0"/>
             </a:p>
           </p:txBody>
         </p:sp>
@@ -11001,7 +11126,7 @@
         </p:nvSpPr>
         <p:spPr>
           <a:xfrm>
-            <a:off x="6128703" y="1779007"/>
+            <a:off x="4974233" y="2011689"/>
             <a:ext cx="2029505" cy="1047537"/>
           </a:xfrm>
           <a:prstGeom prst="rect">
@@ -11070,7 +11195,7 @@
         </p:blipFill>
         <p:spPr>
           <a:xfrm>
-            <a:off x="3923069" y="1436709"/>
+            <a:off x="2768599" y="1669391"/>
             <a:ext cx="253688" cy="253688"/>
           </a:xfrm>
           <a:prstGeom prst="rect">
@@ -11097,7 +11222,7 @@
         </p:blipFill>
         <p:spPr>
           <a:xfrm>
-            <a:off x="6137812" y="1438538"/>
+            <a:off x="4983342" y="1671220"/>
             <a:ext cx="250032" cy="250032"/>
           </a:xfrm>
           <a:prstGeom prst="rect">
@@ -11124,7 +11249,7 @@
         </p:blipFill>
         <p:spPr>
           <a:xfrm>
-            <a:off x="8348899" y="1438538"/>
+            <a:off x="7194429" y="1671220"/>
             <a:ext cx="250032" cy="250032"/>
           </a:xfrm>
           <a:prstGeom prst="rect">
@@ -11144,7 +11269,7 @@
         </p:nvGrpSpPr>
         <p:grpSpPr>
           <a:xfrm>
-            <a:off x="1711522" y="3329114"/>
+            <a:off x="557052" y="3561796"/>
             <a:ext cx="2857501" cy="1839518"/>
             <a:chOff x="-1" y="37"/>
             <a:chExt cx="4064001" cy="2616201"/>
@@ -11183,7 +11308,7 @@
                 </a:buClr>
                 <a:buSzPts val="2200"/>
               </a:pPr>
-              <a:endParaRPr sz="1547">
+              <a:endParaRPr sz="1547" dirty="0">
                 <a:solidFill>
                   <a:srgbClr val="FFFFFF"/>
                 </a:solidFill>
@@ -11204,7 +11329,7 @@
           <p:spPr>
             <a:xfrm>
               <a:off x="-1" y="1967"/>
-              <a:ext cx="4063130" cy="457358"/>
+              <a:ext cx="4063131" cy="457358"/>
             </a:xfrm>
             <a:prstGeom prst="rect">
               <a:avLst/>
@@ -11228,7 +11353,7 @@
                 </a:buClr>
                 <a:buSzPts val="2200"/>
               </a:pPr>
-              <a:endParaRPr sz="1547">
+              <a:endParaRPr sz="1547" dirty="0">
                 <a:solidFill>
                   <a:srgbClr val="FFFFFF"/>
                 </a:solidFill>
@@ -11272,7 +11397,7 @@
                 <a:buSzPts val="2400"/>
               </a:pPr>
               <a:r>
-                <a:rPr lang="en-US" sz="1687" b="1">
+                <a:rPr lang="en-US" sz="1687" b="1" dirty="0">
                   <a:solidFill>
                     <a:srgbClr val="FFFFFF"/>
                   </a:solidFill>
@@ -11283,7 +11408,7 @@
                 </a:rPr>
                 <a:t>Training</a:t>
               </a:r>
-              <a:endParaRPr sz="1266"/>
+              <a:endParaRPr sz="1266" dirty="0"/>
             </a:p>
           </p:txBody>
         </p:sp>
@@ -11296,7 +11421,7 @@
         </p:nvGrpSpPr>
         <p:grpSpPr>
           <a:xfrm>
-            <a:off x="4640460" y="3329114"/>
+            <a:off x="3485990" y="3561796"/>
             <a:ext cx="2857501" cy="1839518"/>
             <a:chOff x="-1" y="37"/>
             <a:chExt cx="4064001" cy="2616201"/>
@@ -11380,7 +11505,7 @@
                 </a:buClr>
                 <a:buSzPts val="2200"/>
               </a:pPr>
-              <a:endParaRPr sz="1547">
+              <a:endParaRPr sz="1547" dirty="0">
                 <a:solidFill>
                   <a:srgbClr val="FFFFFF"/>
                 </a:solidFill>
@@ -11424,7 +11549,7 @@
                 <a:buSzPts val="2400"/>
               </a:pPr>
               <a:r>
-                <a:rPr lang="en-US" sz="1687" b="1">
+                <a:rPr lang="en-US" sz="1687" b="1" dirty="0">
                   <a:solidFill>
                     <a:srgbClr val="FFFFFF"/>
                   </a:solidFill>
@@ -11435,7 +11560,7 @@
                 </a:rPr>
                 <a:t>Input</a:t>
               </a:r>
-              <a:endParaRPr sz="1266"/>
+              <a:endParaRPr sz="1266" dirty="0"/>
             </a:p>
           </p:txBody>
         </p:sp>
@@ -11448,7 +11573,7 @@
         </p:nvGrpSpPr>
         <p:grpSpPr>
           <a:xfrm>
-            <a:off x="7569397" y="3329114"/>
+            <a:off x="6414927" y="3561796"/>
             <a:ext cx="2857501" cy="1839518"/>
             <a:chOff x="-1" y="37"/>
             <a:chExt cx="4064001" cy="2616201"/>
@@ -11487,7 +11612,7 @@
                 </a:buClr>
                 <a:buSzPts val="2200"/>
               </a:pPr>
-              <a:endParaRPr sz="1547">
+              <a:endParaRPr sz="1547" dirty="0">
                 <a:solidFill>
                   <a:srgbClr val="FFFFFF"/>
                 </a:solidFill>
@@ -11532,7 +11657,7 @@
                 </a:buClr>
                 <a:buSzPts val="2200"/>
               </a:pPr>
-              <a:endParaRPr sz="1547">
+              <a:endParaRPr sz="1547" dirty="0">
                 <a:solidFill>
                   <a:srgbClr val="FFFFFF"/>
                 </a:solidFill>
@@ -11576,7 +11701,7 @@
                 <a:buSzPts val="2400"/>
               </a:pPr>
               <a:r>
-                <a:rPr lang="en-US" sz="1687" b="1">
+                <a:rPr lang="en-US" sz="1687" b="1" dirty="0">
                   <a:solidFill>
                     <a:srgbClr val="FFFFFF"/>
                   </a:solidFill>
@@ -11587,7 +11712,7 @@
                 </a:rPr>
                 <a:t>Feedback</a:t>
               </a:r>
-              <a:endParaRPr sz="1266"/>
+              <a:endParaRPr sz="1266" dirty="0"/>
             </a:p>
           </p:txBody>
         </p:sp>
@@ -11600,8 +11725,8 @@
         </p:nvSpPr>
         <p:spPr>
           <a:xfrm>
-            <a:off x="1720452" y="5249300"/>
-            <a:ext cx="8706447" cy="1139233"/>
+            <a:off x="568361" y="5476607"/>
+            <a:ext cx="8706447" cy="595762"/>
           </a:xfrm>
           <a:prstGeom prst="rect">
             <a:avLst/>
@@ -11620,71 +11745,16 @@
           <a:lstStyle/>
           <a:p>
             <a:pPr>
-              <a:buClr>
-                <a:srgbClr val="000000"/>
-              </a:buClr>
-              <a:buSzPts val="2000"/>
-            </a:pPr>
-            <a:r>
-              <a:rPr lang="en-US" sz="1406" dirty="0">
-                <a:solidFill>
-                  <a:srgbClr val="000000"/>
-                </a:solidFill>
-                <a:latin typeface="Helvetica Neue"/>
-                <a:ea typeface="Helvetica Neue"/>
-                <a:cs typeface="Helvetica Neue"/>
-                <a:sym typeface="Helvetica Neue"/>
-              </a:rPr>
-              <a:t>How will this AI impact on the overall workflow?</a:t>
-            </a:r>
-            <a:endParaRPr sz="1266" dirty="0"/>
-          </a:p>
-          <a:p>
-            <a:pPr>
-              <a:buClr>
-                <a:srgbClr val="000000"/>
-              </a:buClr>
               <a:buSzPts val="1600"/>
             </a:pPr>
             <a:r>
-              <a:rPr lang="en-US" sz="1125" dirty="0">
-                <a:solidFill>
-                  <a:srgbClr val="000000"/>
-                </a:solidFill>
-                <a:latin typeface="Helvetica Neue"/>
-                <a:ea typeface="Helvetica Neue"/>
-                <a:cs typeface="Helvetica Neue"/>
-                <a:sym typeface="Helvetica Neue"/>
-              </a:rPr>
-              <a:t>Explain here how the AI for this task/decision will impact on related tasks in the overall workflow. Will it cause a staff replacement? Will it involve staff retraining or job redesign?</a:t>
-            </a:r>
-          </a:p>
-          <a:p>
-            <a:pPr>
-              <a:buSzPts val="1600"/>
-            </a:pPr>
-            <a:r>
-              <a:rPr lang="en-US" sz="984" dirty="0">
+              <a:rPr lang="en-US" sz="1100" dirty="0">
                 <a:latin typeface="Helvetica Neue"/>
                 <a:sym typeface="Helvetica Neue"/>
               </a:rPr>
-              <a:t>A customer’s application can be approved or declined based on the inputs provided. AI will not replace the staff, but will help in better decision making and </a:t>
-            </a:r>
-            <a:r>
-              <a:rPr lang="en-US" sz="1266" dirty="0">
-                <a:latin typeface="Helvetica Neue"/>
-                <a:sym typeface="Helvetica Neue"/>
-              </a:rPr>
-              <a:t>tremendously improve the decision timing. Also it will bring consistency in the decision making process and provide additional scalability and easy maintainability. The staff feedback can </a:t>
-            </a:r>
-            <a:r>
-              <a:rPr lang="en-US" sz="1266">
-                <a:latin typeface="Helvetica Neue"/>
-                <a:sym typeface="Helvetica Neue"/>
-              </a:rPr>
-              <a:t>help improve the AI.</a:t>
-            </a:r>
-            <a:endParaRPr lang="en-US" sz="1266"/>
+              <a:t>A customer’s application can be approved or declined based on the inputs provided. AI will not replace the staff, but will help in better decision making and tremendously improve the decision timing. Also it will bring consistency in the decision making process and provide additional scalability and easy maintainability. The staff feedback can help improve the AI.</a:t>
+            </a:r>
+            <a:endParaRPr lang="en-US" sz="1100" dirty="0"/>
           </a:p>
           <a:p>
             <a:pPr>
@@ -11712,7 +11782,7 @@
         </p:blipFill>
         <p:spPr>
           <a:xfrm>
-            <a:off x="4658320" y="3355877"/>
+            <a:off x="3503850" y="3588559"/>
             <a:ext cx="250031" cy="250032"/>
           </a:xfrm>
           <a:prstGeom prst="rect">
@@ -11739,7 +11809,7 @@
         </p:blipFill>
         <p:spPr>
           <a:xfrm>
-            <a:off x="1747243" y="3360577"/>
+            <a:off x="592773" y="3593259"/>
             <a:ext cx="250032" cy="250032"/>
           </a:xfrm>
           <a:prstGeom prst="rect">
@@ -11766,7 +11836,7 @@
         </p:blipFill>
         <p:spPr>
           <a:xfrm>
-            <a:off x="7578328" y="3360577"/>
+            <a:off x="6423858" y="3593259"/>
             <a:ext cx="250031" cy="250032"/>
           </a:xfrm>
           <a:prstGeom prst="rect">
@@ -11786,7 +11856,7 @@
         </p:nvSpPr>
         <p:spPr>
           <a:xfrm>
-            <a:off x="1765102" y="3888960"/>
+            <a:off x="610632" y="4121642"/>
             <a:ext cx="2750344" cy="1129743"/>
           </a:xfrm>
           <a:prstGeom prst="rect">
@@ -11961,7 +12031,7 @@
         </p:nvSpPr>
         <p:spPr>
           <a:xfrm>
-            <a:off x="4652093" y="4135521"/>
+            <a:off x="3497623" y="4368203"/>
             <a:ext cx="2750344" cy="549641"/>
           </a:xfrm>
           <a:prstGeom prst="rect">
@@ -12136,7 +12206,7 @@
         </p:nvSpPr>
         <p:spPr>
           <a:xfrm>
-            <a:off x="7622606" y="3960781"/>
+            <a:off x="6468136" y="4193463"/>
             <a:ext cx="2750344" cy="710375"/>
           </a:xfrm>
           <a:prstGeom prst="rect">
@@ -12198,7 +12268,7 @@
         </p:nvSpPr>
         <p:spPr>
           <a:xfrm>
-            <a:off x="1715988" y="618463"/>
+            <a:off x="548402" y="876411"/>
             <a:ext cx="8706445" cy="710375"/>
           </a:xfrm>
           <a:prstGeom prst="rect">
@@ -12395,6 +12465,113 @@
               <a:cs typeface="Helvetica Neue"/>
               <a:sym typeface="Helvetica Neue"/>
             </a:endParaRPr>
+          </a:p>
+        </p:txBody>
+      </p:sp>
+      <p:sp>
+        <p:nvSpPr>
+          <p:cNvPr id="48" name="Title 1">
+            <a:extLst>
+              <a:ext uri="{FF2B5EF4-FFF2-40B4-BE49-F238E27FC236}">
+                <a16:creationId xmlns:a16="http://schemas.microsoft.com/office/drawing/2014/main" id="{4491F1E4-76DE-4AF0-893A-8B1E60DBCAF0}"/>
+              </a:ext>
+            </a:extLst>
+          </p:cNvPr>
+          <p:cNvSpPr txBox="1">
+            <a:spLocks/>
+          </p:cNvSpPr>
+          <p:nvPr/>
+        </p:nvSpPr>
+        <p:spPr>
+          <a:xfrm>
+            <a:off x="548402" y="127707"/>
+            <a:ext cx="3854528" cy="568164"/>
+          </a:xfrm>
+          <a:prstGeom prst="rect">
+            <a:avLst/>
+          </a:prstGeom>
+        </p:spPr>
+        <p:txBody>
+          <a:bodyPr>
+            <a:normAutofit/>
+          </a:bodyPr>
+          <a:lstStyle>
+            <a:lvl1pPr algn="l" defTabSz="457200" rtl="0" eaLnBrk="1" latinLnBrk="0" hangingPunct="1">
+              <a:spcBef>
+                <a:spcPct val="0"/>
+              </a:spcBef>
+              <a:buNone/>
+              <a:defRPr sz="3600" kern="1200">
+                <a:solidFill>
+                  <a:schemeClr val="accent1"/>
+                </a:solidFill>
+                <a:latin typeface="+mj-lt"/>
+                <a:ea typeface="+mj-ea"/>
+                <a:cs typeface="+mj-cs"/>
+              </a:defRPr>
+            </a:lvl1pPr>
+            <a:lvl2pPr eaLnBrk="1" hangingPunct="1">
+              <a:defRPr>
+                <a:solidFill>
+                  <a:schemeClr val="tx2"/>
+                </a:solidFill>
+              </a:defRPr>
+            </a:lvl2pPr>
+            <a:lvl3pPr eaLnBrk="1" hangingPunct="1">
+              <a:defRPr>
+                <a:solidFill>
+                  <a:schemeClr val="tx2"/>
+                </a:solidFill>
+              </a:defRPr>
+            </a:lvl3pPr>
+            <a:lvl4pPr eaLnBrk="1" hangingPunct="1">
+              <a:defRPr>
+                <a:solidFill>
+                  <a:schemeClr val="tx2"/>
+                </a:solidFill>
+              </a:defRPr>
+            </a:lvl4pPr>
+            <a:lvl5pPr eaLnBrk="1" hangingPunct="1">
+              <a:defRPr>
+                <a:solidFill>
+                  <a:schemeClr val="tx2"/>
+                </a:solidFill>
+              </a:defRPr>
+            </a:lvl5pPr>
+            <a:lvl6pPr eaLnBrk="1" hangingPunct="1">
+              <a:defRPr>
+                <a:solidFill>
+                  <a:schemeClr val="tx2"/>
+                </a:solidFill>
+              </a:defRPr>
+            </a:lvl6pPr>
+            <a:lvl7pPr eaLnBrk="1" hangingPunct="1">
+              <a:defRPr>
+                <a:solidFill>
+                  <a:schemeClr val="tx2"/>
+                </a:solidFill>
+              </a:defRPr>
+            </a:lvl7pPr>
+            <a:lvl8pPr eaLnBrk="1" hangingPunct="1">
+              <a:defRPr>
+                <a:solidFill>
+                  <a:schemeClr val="tx2"/>
+                </a:solidFill>
+              </a:defRPr>
+            </a:lvl8pPr>
+            <a:lvl9pPr eaLnBrk="1" hangingPunct="1">
+              <a:defRPr>
+                <a:solidFill>
+                  <a:schemeClr val="tx2"/>
+                </a:solidFill>
+              </a:defRPr>
+            </a:lvl9pPr>
+          </a:lstStyle>
+          <a:p>
+            <a:r>
+              <a:rPr lang="en-US" sz="2800" dirty="0"/>
+              <a:t>AI Canvas</a:t>
+            </a:r>
           </a:p>
         </p:txBody>
       </p:sp>
